--- a/FYP Workshop.pptx
+++ b/FYP Workshop.pptx
@@ -4382,7 +4382,7 @@
           <a:p>
             <a:fld id="{F702A5B2-8064-4382-9E31-9E46E0F5B2C3}" type="datetimeFigureOut">
               <a:rPr lang="ru-RU" smtClean="0"/>
-              <a:t>22.08.2022</a:t>
+              <a:t>25.08.2022</a:t>
             </a:fld>
             <a:endParaRPr lang="ru-RU"/>
           </a:p>
@@ -4559,7 +4559,7 @@
           <a:p>
             <a:fld id="{7000EB3D-2307-4317-8A1D-B47FA45245F0}" type="datetimeFigureOut">
               <a:rPr lang="ru-RU" smtClean="0"/>
-              <a:t>22.08.2022</a:t>
+              <a:t>25.08.2022</a:t>
             </a:fld>
             <a:endParaRPr lang="ru-RU" dirty="0"/>
           </a:p>
@@ -33648,13 +33648,13 @@
             <a:spLocks noGrp="1"/>
           </p:cNvSpPr>
           <p:nvPr>
-            <p:ph type="ctrTitle"/>
+            <p:ph type="ctrTitle" idx="4294967295"/>
           </p:nvPr>
         </p:nvSpPr>
         <p:spPr>
           <a:xfrm>
-            <a:off x="919147" y="1819656"/>
-            <a:ext cx="4905581" cy="1064745"/>
+            <a:off x="1096962" y="668059"/>
+            <a:ext cx="9998075" cy="2538413"/>
           </a:xfrm>
         </p:spPr>
         <p:txBody>
@@ -33663,11 +33663,14 @@
           </a:bodyPr>
           <a:lstStyle/>
           <a:p>
+            <a:pPr algn="ctr"/>
             <a:r>
-              <a:rPr lang="en-US" sz="4800" dirty="0"/>
-              <a:t>FYP WORKSHOP</a:t>
+              <a:rPr lang="en-US" b="1" u="sng" dirty="0">
+                <a:latin typeface="Arial Rounded MT Bold" panose="020F0704030504030204" pitchFamily="34" charset="77"/>
+              </a:rPr>
+              <a:t>Development of Predictive Model for the Classification of Genes Associated with Abiotic Stress-Resistant Traits in Rice using Supervised Machine Learning</a:t>
             </a:r>
-            <a:endParaRPr lang="en-MY" sz="2000" dirty="0"/>
+            <a:endParaRPr lang="en-MY" sz="1600" u="sng" dirty="0"/>
           </a:p>
         </p:txBody>
       </p:sp>
@@ -33684,13 +33687,13 @@
             <a:spLocks noGrp="1"/>
           </p:cNvSpPr>
           <p:nvPr>
-            <p:ph type="subTitle" idx="1"/>
+            <p:ph type="subTitle" idx="4294967295"/>
           </p:nvPr>
         </p:nvSpPr>
         <p:spPr>
           <a:xfrm>
-            <a:off x="919146" y="3154680"/>
-            <a:ext cx="8682053" cy="1837944"/>
+            <a:off x="1096962" y="3803622"/>
+            <a:ext cx="8682038" cy="1481391"/>
           </a:xfrm>
         </p:spPr>
         <p:txBody>
@@ -33712,7 +33715,6 @@
             <a:r>
               <a:rPr lang="en-MY" sz="3500" dirty="0">
                 <a:effectLst/>
-                <a:latin typeface="Times New Roman" panose="02020603050405020304" pitchFamily="18" charset="0"/>
                 <a:ea typeface="DengXian" panose="02010600030101010101" pitchFamily="2" charset="-122"/>
               </a:rPr>
               <a:t>Searching in the respective databases, download, extraction &amp; curation</a:t>
@@ -33732,7 +33734,6 @@
             <a:r>
               <a:rPr lang="en-MY" sz="3500" dirty="0">
                 <a:effectLst/>
-                <a:latin typeface="Times New Roman" panose="02020603050405020304" pitchFamily="18" charset="0"/>
                 <a:ea typeface="DengXian" panose="02010600030101010101" pitchFamily="2" charset="-122"/>
               </a:rPr>
               <a:t>Writing the parser </a:t>
@@ -33752,23 +33753,19 @@
             <a:r>
               <a:rPr lang="en-MY" sz="3500" dirty="0">
                 <a:effectLst/>
-                <a:latin typeface="Times New Roman" panose="02020603050405020304" pitchFamily="18" charset="0"/>
                 <a:ea typeface="DengXian" panose="02010600030101010101" pitchFamily="2" charset="-122"/>
               </a:rPr>
               <a:t>R programming to build the predictive models &amp; generate the graphs etc</a:t>
             </a:r>
           </a:p>
-          <a:p>
-            <a:endParaRPr lang="en-MY" dirty="0"/>
-          </a:p>
         </p:txBody>
       </p:sp>
       <p:sp>
         <p:nvSpPr>
-          <p:cNvPr id="4" name="TextBox 3">
+          <p:cNvPr id="5" name="TextBox 4">
             <a:extLst>
               <a:ext uri="{FF2B5EF4-FFF2-40B4-BE49-F238E27FC236}">
-                <a16:creationId xmlns:a16="http://schemas.microsoft.com/office/drawing/2014/main" id="{C7D684FC-54B9-66A1-FF9F-B8507DC1D63B}"/>
+                <a16:creationId xmlns:a16="http://schemas.microsoft.com/office/drawing/2014/main" id="{C3DD8E2E-1179-0C36-7747-78C801C95B94}"/>
               </a:ext>
             </a:extLst>
           </p:cNvPr>
@@ -33777,7 +33774,7 @@
         </p:nvSpPr>
         <p:spPr>
           <a:xfrm>
-            <a:off x="5383202" y="4876324"/>
+            <a:off x="5072306" y="5882164"/>
             <a:ext cx="6156526" cy="307777"/>
           </a:xfrm>
           <a:prstGeom prst="rect">
@@ -33793,9 +33790,6 @@
           <a:p>
             <a:r>
               <a:rPr lang="en-US" sz="1400" dirty="0">
-                <a:solidFill>
-                  <a:schemeClr val="bg1"/>
-                </a:solidFill>
                 <a:hlinkClick r:id="rId2">
                   <a:extLst>
                     <a:ext uri="{A12FA001-AC4F-418D-AE19-62706E023703}">
@@ -33806,11 +33800,7 @@
               </a:rPr>
               <a:t>Kok-Herng/gene-classification-ML-framework at workshop (github.com)</a:t>
             </a:r>
-            <a:endParaRPr lang="en-MY" sz="1400" dirty="0">
-              <a:solidFill>
-                <a:schemeClr val="bg1"/>
-              </a:solidFill>
-            </a:endParaRPr>
+            <a:endParaRPr lang="en-MY" sz="1400" dirty="0"/>
           </a:p>
         </p:txBody>
       </p:sp>

--- a/FYP Workshop.pptx
+++ b/FYP Workshop.pptx
@@ -4382,7 +4382,7 @@
           <a:p>
             <a:fld id="{F702A5B2-8064-4382-9E31-9E46E0F5B2C3}" type="datetimeFigureOut">
               <a:rPr lang="ru-RU" smtClean="0"/>
-              <a:t>25.08.2022</a:t>
+              <a:t>28.08.2022</a:t>
             </a:fld>
             <a:endParaRPr lang="ru-RU"/>
           </a:p>
@@ -4559,7 +4559,7 @@
           <a:p>
             <a:fld id="{7000EB3D-2307-4317-8A1D-B47FA45245F0}" type="datetimeFigureOut">
               <a:rPr lang="ru-RU" smtClean="0"/>
-              <a:t>25.08.2022</a:t>
+              <a:t>28.08.2022</a:t>
             </a:fld>
             <a:endParaRPr lang="ru-RU" dirty="0"/>
           </a:p>
@@ -33852,8 +33852,8 @@
         </p:nvSpPr>
         <p:spPr>
           <a:xfrm>
-            <a:off x="731156" y="467932"/>
-            <a:ext cx="5690680" cy="1517356"/>
+            <a:off x="795164" y="356616"/>
+            <a:ext cx="7141828" cy="1517356"/>
           </a:xfrm>
         </p:spPr>
         <p:txBody>
@@ -33886,13 +33886,13 @@
         </p:nvSpPr>
         <p:spPr>
           <a:xfrm>
-            <a:off x="795164" y="2377439"/>
-            <a:ext cx="8175100" cy="2999233"/>
+            <a:off x="880872" y="1992844"/>
+            <a:ext cx="10579972" cy="4709161"/>
           </a:xfrm>
         </p:spPr>
         <p:txBody>
           <a:bodyPr>
-            <a:normAutofit lnSpcReduction="10000"/>
+            <a:normAutofit fontScale="92500" lnSpcReduction="20000"/>
           </a:bodyPr>
           <a:lstStyle/>
           <a:p>
@@ -33972,19 +33972,6 @@
                 <a:schemeClr val="tx1"/>
               </a:solidFill>
             </a:endParaRPr>
-          </a:p>
-          <a:p>
-            <a:pPr marL="0" indent="0">
-              <a:buNone/>
-            </a:pPr>
-            <a:r>
-              <a:rPr lang="en-MY" sz="1800" b="1" u="sng" dirty="0">
-                <a:solidFill>
-                  <a:schemeClr val="tx1"/>
-                </a:solidFill>
-              </a:rPr>
-              <a:t>PPI network</a:t>
-            </a:r>
           </a:p>
           <a:p>
             <a:pPr marL="285750" indent="-285750">
@@ -34067,6 +34054,117 @@
               </a:rPr>
               <a:t>If no – 0</a:t>
             </a:r>
+          </a:p>
+          <a:p>
+            <a:pPr marL="285750" indent="-285750">
+              <a:buFont typeface="Arial" panose="020B0604020202020204" pitchFamily="34" charset="0"/>
+              <a:buChar char="•"/>
+            </a:pPr>
+            <a:r>
+              <a:rPr lang="en-MY" sz="1800" b="0" dirty="0">
+                <a:solidFill>
+                  <a:schemeClr val="tx1"/>
+                </a:solidFill>
+              </a:rPr>
+              <a:t>Also include </a:t>
+            </a:r>
+            <a:r>
+              <a:rPr lang="en-MY" sz="1800" b="0" dirty="0" err="1">
+                <a:solidFill>
+                  <a:schemeClr val="tx1"/>
+                </a:solidFill>
+              </a:rPr>
+              <a:t>pcc</a:t>
+            </a:r>
+            <a:r>
+              <a:rPr lang="en-MY" sz="1800" b="0" dirty="0">
+                <a:solidFill>
+                  <a:schemeClr val="tx1"/>
+                </a:solidFill>
+              </a:rPr>
+              <a:t> column</a:t>
+            </a:r>
+          </a:p>
+          <a:p>
+            <a:pPr marL="285750" indent="-285750">
+              <a:buFont typeface="Arial" panose="020B0604020202020204" pitchFamily="34" charset="0"/>
+              <a:buChar char="•"/>
+            </a:pPr>
+            <a:r>
+              <a:rPr lang="en-MY" sz="1800" b="0" dirty="0">
+                <a:solidFill>
+                  <a:schemeClr val="tx1"/>
+                </a:solidFill>
+              </a:rPr>
+              <a:t>Replace NA with 0</a:t>
+            </a:r>
+          </a:p>
+          <a:p>
+            <a:endParaRPr lang="en-MY" sz="1800" b="0" dirty="0">
+              <a:solidFill>
+                <a:schemeClr val="tx1"/>
+              </a:solidFill>
+            </a:endParaRPr>
+          </a:p>
+          <a:p>
+            <a:pPr marL="0" indent="0">
+              <a:buNone/>
+            </a:pPr>
+            <a:r>
+              <a:rPr lang="en-MY" sz="1800" b="1" u="sng" dirty="0">
+                <a:solidFill>
+                  <a:schemeClr val="tx1"/>
+                </a:solidFill>
+              </a:rPr>
+              <a:t>PPI network</a:t>
+            </a:r>
+          </a:p>
+          <a:p>
+            <a:pPr marL="285750" indent="-285750">
+              <a:buFont typeface="Arial" panose="020B0604020202020204" pitchFamily="34" charset="0"/>
+              <a:buChar char="•"/>
+            </a:pPr>
+            <a:r>
+              <a:rPr lang="en-MY" sz="1800" b="0" dirty="0">
+                <a:solidFill>
+                  <a:schemeClr val="tx1"/>
+                </a:solidFill>
+              </a:rPr>
+              <a:t>Check if the gene present:</a:t>
+            </a:r>
+          </a:p>
+          <a:p>
+            <a:pPr lvl="1"/>
+            <a:r>
+              <a:rPr lang="en-MY" sz="1800" dirty="0">
+                <a:solidFill>
+                  <a:schemeClr val="tx1"/>
+                </a:solidFill>
+              </a:rPr>
+              <a:t>If yes – 1</a:t>
+            </a:r>
+          </a:p>
+          <a:p>
+            <a:pPr lvl="1"/>
+            <a:r>
+              <a:rPr lang="en-MY" sz="1800" dirty="0">
+                <a:solidFill>
+                  <a:schemeClr val="tx1"/>
+                </a:solidFill>
+              </a:rPr>
+              <a:t>If no – 0</a:t>
+            </a:r>
+          </a:p>
+          <a:p>
+            <a:pPr marL="285750" indent="-285750">
+              <a:buFont typeface="Arial" panose="020B0604020202020204" pitchFamily="34" charset="0"/>
+              <a:buChar char="•"/>
+            </a:pPr>
+            <a:endParaRPr lang="en-MY" sz="1800" b="1" u="sng" dirty="0">
+              <a:solidFill>
+                <a:schemeClr val="tx1"/>
+              </a:solidFill>
+            </a:endParaRPr>
           </a:p>
         </p:txBody>
       </p:sp>
@@ -34240,7 +34338,7 @@
             <a:pPr lvl="1"/>
             <a:r>
               <a:rPr lang="en-US" sz="1600" dirty="0"/>
-              <a:t>Sum up values from each rows (tissue, development stage)</a:t>
+              <a:t>Sum up values from each rows (tissue development stage)</a:t>
             </a:r>
           </a:p>
           <a:p>
@@ -34254,7 +34352,15 @@
             <a:pPr lvl="1"/>
             <a:r>
               <a:rPr lang="en-US" sz="1600" dirty="0"/>
-              <a:t>Compare across rows to find for that specific gene, where it is the highest expressed in tissue development stage </a:t>
+              <a:t>Compare across rows to find for that </a:t>
+            </a:r>
+            <a:r>
+              <a:rPr lang="en-US" sz="1600" dirty="0">
+                <a:highlight>
+                  <a:srgbClr val="FFFF00"/>
+                </a:highlight>
+              </a:rPr>
+              <a:t>specific gene, where it is the highest expressed in tissue development stage </a:t>
             </a:r>
           </a:p>
           <a:p>
@@ -34763,7 +34869,7 @@
         </p:spPr>
         <p:txBody>
           <a:bodyPr>
-            <a:normAutofit lnSpcReduction="10000"/>
+            <a:normAutofit fontScale="92500" lnSpcReduction="10000"/>
           </a:bodyPr>
           <a:lstStyle/>
           <a:p>
@@ -34992,20 +35098,32 @@
                   <a:schemeClr val="tx1"/>
                 </a:solidFill>
               </a:rPr>
-              <a:t>Method 1 – caret’s train() function</a:t>
+              <a:t>Method 1 – </a:t>
             </a:r>
-          </a:p>
-          <a:p>
-            <a:pPr lvl="1"/>
             <a:r>
               <a:rPr lang="en-US" sz="1500" dirty="0"/>
-              <a:t>Method 2 – classifier’s own function e.g., C5.0(), ranger()</a:t>
+              <a:t>classifier’s own function e.g., C5.0(), ranger()</a:t>
             </a:r>
             <a:endParaRPr lang="en-US" sz="1500" dirty="0">
               <a:solidFill>
                 <a:schemeClr val="tx1"/>
               </a:solidFill>
             </a:endParaRPr>
+          </a:p>
+          <a:p>
+            <a:pPr lvl="1"/>
+            <a:r>
+              <a:rPr lang="en-US" sz="1500" dirty="0"/>
+              <a:t>Method 2 – </a:t>
+            </a:r>
+            <a:r>
+              <a:rPr lang="en-US" sz="1500" dirty="0">
+                <a:solidFill>
+                  <a:schemeClr val="tx1"/>
+                </a:solidFill>
+              </a:rPr>
+              <a:t>caret’s train() function</a:t>
+            </a:r>
           </a:p>
           <a:p>
             <a:endParaRPr lang="en-MY" dirty="0">
@@ -39116,6 +39234,24 @@
 </file>
 
 <file path=customXml/item1.xml><?xml version="1.0" encoding="utf-8"?>
+<?mso-contentType ?>
+<FormTemplates xmlns="http://schemas.microsoft.com/sharepoint/v3/contenttype/forms">
+  <Display>DocumentLibraryForm</Display>
+  <Edit>DocumentLibraryForm</Edit>
+  <New>DocumentLibraryForm</New>
+</FormTemplates>
+</file>
+
+<file path=customXml/item2.xml><?xml version="1.0" encoding="utf-8"?>
+<p:properties xmlns:p="http://schemas.microsoft.com/office/2006/metadata/properties" xmlns:xsi="http://www.w3.org/2001/XMLSchema-instance" xmlns:pc="http://schemas.microsoft.com/office/infopath/2007/PartnerControls">
+  <documentManagement>
+    <_ip_UnifiedCompliancePolicyUIAction xmlns="http://schemas.microsoft.com/sharepoint/v3" xsi:nil="true"/>
+    <_ip_UnifiedCompliancePolicyProperties xmlns="http://schemas.microsoft.com/sharepoint/v3" xsi:nil="true"/>
+  </documentManagement>
+</p:properties>
+</file>
+
+<file path=customXml/item3.xml><?xml version="1.0" encoding="utf-8"?>
 <ct:contentTypeSchema xmlns:ct="http://schemas.microsoft.com/office/2006/metadata/contentType" xmlns:ma="http://schemas.microsoft.com/office/2006/metadata/properties/metaAttributes" ct:_="" ma:_="" ma:contentTypeName="Document" ma:contentTypeID="0x010100DEEA25CC0A0AC24199CDC46C25B8B0BC" ma:contentTypeVersion="10" ma:contentTypeDescription="Create a new document." ma:contentTypeScope="" ma:versionID="e3b47856d4cf355c0dacb39e1084d14f">
   <xsd:schema xmlns:xsd="http://www.w3.org/2001/XMLSchema" xmlns:xs="http://www.w3.org/2001/XMLSchema" xmlns:p="http://schemas.microsoft.com/office/2006/metadata/properties" xmlns:ns1="http://schemas.microsoft.com/sharepoint/v3" xmlns:ns2="6dc4bcd6-49db-4c07-9060-8acfc67cef9f" xmlns:ns3="fb0879af-3eba-417a-a55a-ffe6dcd6ca77" targetNamespace="http://schemas.microsoft.com/office/2006/metadata/properties" ma:root="true" ma:fieldsID="a845a615265fdb1f7b12cc65ac20ecbd" ns1:_="" ns2:_="" ns3:_="">
     <xsd:import namespace="http://schemas.microsoft.com/sharepoint/v3"/>
@@ -39323,25 +39459,25 @@
 </ct:contentTypeSchema>
 </file>
 
-<file path=customXml/item2.xml><?xml version="1.0" encoding="utf-8"?>
-<p:properties xmlns:p="http://schemas.microsoft.com/office/2006/metadata/properties" xmlns:xsi="http://www.w3.org/2001/XMLSchema-instance" xmlns:pc="http://schemas.microsoft.com/office/infopath/2007/PartnerControls">
-  <documentManagement>
-    <_ip_UnifiedCompliancePolicyUIAction xmlns="http://schemas.microsoft.com/sharepoint/v3" xsi:nil="true"/>
-    <_ip_UnifiedCompliancePolicyProperties xmlns="http://schemas.microsoft.com/sharepoint/v3" xsi:nil="true"/>
-  </documentManagement>
-</p:properties>
+<file path=customXml/itemProps1.xml><?xml version="1.0" encoding="utf-8"?>
+<ds:datastoreItem xmlns:ds="http://schemas.openxmlformats.org/officeDocument/2006/customXml" ds:itemID="{750F309C-DE10-4641-9043-BB7E781AC404}">
+  <ds:schemaRefs>
+    <ds:schemaRef ds:uri="http://schemas.microsoft.com/sharepoint/v3/contenttype/forms"/>
+  </ds:schemaRefs>
+</ds:datastoreItem>
 </file>
 
-<file path=customXml/item3.xml><?xml version="1.0" encoding="utf-8"?>
-<?mso-contentType ?>
-<FormTemplates xmlns="http://schemas.microsoft.com/sharepoint/v3/contenttype/forms">
-  <Display>DocumentLibraryForm</Display>
-  <Edit>DocumentLibraryForm</Edit>
-  <New>DocumentLibraryForm</New>
-</FormTemplates>
+<file path=customXml/itemProps2.xml><?xml version="1.0" encoding="utf-8"?>
+<ds:datastoreItem xmlns:ds="http://schemas.openxmlformats.org/officeDocument/2006/customXml" ds:itemID="{12024DF7-0783-4549-86B7-A48B29FBA9C2}">
+  <ds:schemaRefs>
+    <ds:schemaRef ds:uri="http://schemas.microsoft.com/office/2006/metadata/properties"/>
+    <ds:schemaRef ds:uri="http://schemas.microsoft.com/office/infopath/2007/PartnerControls"/>
+    <ds:schemaRef ds:uri="http://schemas.microsoft.com/sharepoint/v3"/>
+  </ds:schemaRefs>
+</ds:datastoreItem>
 </file>
 
-<file path=customXml/itemProps1.xml><?xml version="1.0" encoding="utf-8"?>
+<file path=customXml/itemProps3.xml><?xml version="1.0" encoding="utf-8"?>
 <ds:datastoreItem xmlns:ds="http://schemas.openxmlformats.org/officeDocument/2006/customXml" ds:itemID="{A6393BED-762D-4FA3-96CF-866F426A043C}">
   <ds:schemaRefs>
     <ds:schemaRef ds:uri="http://schemas.microsoft.com/office/2006/metadata/contentType"/>
@@ -39359,22 +39495,4 @@
     <ds:schemaRef ds:uri="http://schemas.microsoft.com/internal/obd"/>
   </ds:schemaRefs>
 </ds:datastoreItem>
-</file>
-
-<file path=customXml/itemProps2.xml><?xml version="1.0" encoding="utf-8"?>
-<ds:datastoreItem xmlns:ds="http://schemas.openxmlformats.org/officeDocument/2006/customXml" ds:itemID="{12024DF7-0783-4549-86B7-A48B29FBA9C2}">
-  <ds:schemaRefs>
-    <ds:schemaRef ds:uri="http://schemas.microsoft.com/office/2006/metadata/properties"/>
-    <ds:schemaRef ds:uri="http://schemas.microsoft.com/office/infopath/2007/PartnerControls"/>
-    <ds:schemaRef ds:uri="http://schemas.microsoft.com/sharepoint/v3"/>
-  </ds:schemaRefs>
-</ds:datastoreItem>
-</file>
-
-<file path=customXml/itemProps3.xml><?xml version="1.0" encoding="utf-8"?>
-<ds:datastoreItem xmlns:ds="http://schemas.openxmlformats.org/officeDocument/2006/customXml" ds:itemID="{750F309C-DE10-4641-9043-BB7E781AC404}">
-  <ds:schemaRefs>
-    <ds:schemaRef ds:uri="http://schemas.microsoft.com/sharepoint/v3/contenttype/forms"/>
-  </ds:schemaRefs>
-</ds:datastoreItem>
 </file>